--- a/GITHUB training.pptx
+++ b/GITHUB training.pptx
@@ -1442,7 +1442,7 @@
           </a:ln>
           <a:extLst>
             <a:ext uri="{C572A759-6A51-4108-AA02-DFA0A04FC94B}">
-              <ma14:wrappingTextBoxFlag xmlns:ma14="http://schemas.microsoft.com/office/mac/drawingml/2011/main" xmlns="" val="1"/>
+              <ma14:wrappingTextBoxFlag xmlns="" xmlns:ma14="http://schemas.microsoft.com/office/mac/drawingml/2011/main" val="1"/>
             </a:ext>
           </a:extLst>
         </p:spPr>
@@ -1485,7 +1485,7 @@
           </a:ln>
           <a:extLst>
             <a:ext uri="{C572A759-6A51-4108-AA02-DFA0A04FC94B}">
-              <ma14:wrappingTextBoxFlag xmlns:ma14="http://schemas.microsoft.com/office/mac/drawingml/2011/main" xmlns="" val="1"/>
+              <ma14:wrappingTextBoxFlag xmlns="" xmlns:ma14="http://schemas.microsoft.com/office/mac/drawingml/2011/main" val="1"/>
             </a:ext>
           </a:extLst>
         </p:spPr>
@@ -1924,6 +1924,10 @@
           <a:lstStyle/>
           <a:p>
             <a:pPr lvl="0"/>
+            <a:r>
+              <a:rPr lang="en-US" smtClean="0"/>
+              <a:t>Test </a:t>
+            </a:r>
             <a:endParaRPr/>
           </a:p>
         </p:txBody>
@@ -1973,7 +1977,7 @@
           </a:ln>
           <a:extLst>
             <a:ext uri="{C572A759-6A51-4108-AA02-DFA0A04FC94B}">
-              <ma14:wrappingTextBoxFlag xmlns:ma14="http://schemas.microsoft.com/office/mac/drawingml/2011/main" xmlns="" val="1"/>
+              <ma14:wrappingTextBoxFlag xmlns="" xmlns:ma14="http://schemas.microsoft.com/office/mac/drawingml/2011/main" val="1"/>
             </a:ext>
           </a:extLst>
         </p:spPr>
@@ -2016,7 +2020,7 @@
           </a:ln>
           <a:extLst>
             <a:ext uri="{C572A759-6A51-4108-AA02-DFA0A04FC94B}">
-              <ma14:wrappingTextBoxFlag xmlns:ma14="http://schemas.microsoft.com/office/mac/drawingml/2011/main" xmlns="" val="1"/>
+              <ma14:wrappingTextBoxFlag xmlns="" xmlns:ma14="http://schemas.microsoft.com/office/mac/drawingml/2011/main" val="1"/>
             </a:ext>
           </a:extLst>
         </p:spPr>
@@ -2074,7 +2078,7 @@
           </a:ln>
           <a:extLst>
             <a:ext uri="{C572A759-6A51-4108-AA02-DFA0A04FC94B}">
-              <ma14:wrappingTextBoxFlag xmlns:ma14="http://schemas.microsoft.com/office/mac/drawingml/2011/main" xmlns="" val="1"/>
+              <ma14:wrappingTextBoxFlag xmlns="" xmlns:ma14="http://schemas.microsoft.com/office/mac/drawingml/2011/main" val="1"/>
             </a:ext>
           </a:extLst>
         </p:spPr>
@@ -2178,7 +2182,7 @@
           </a:ln>
           <a:extLst>
             <a:ext uri="{C572A759-6A51-4108-AA02-DFA0A04FC94B}">
-              <ma14:wrappingTextBoxFlag xmlns:ma14="http://schemas.microsoft.com/office/mac/drawingml/2011/main" xmlns="" val="1"/>
+              <ma14:wrappingTextBoxFlag xmlns="" xmlns:ma14="http://schemas.microsoft.com/office/mac/drawingml/2011/main" val="1"/>
             </a:ext>
           </a:extLst>
         </p:spPr>
@@ -2318,7 +2322,7 @@
           </a:ln>
           <a:extLst>
             <a:ext uri="{C572A759-6A51-4108-AA02-DFA0A04FC94B}">
-              <ma14:wrappingTextBoxFlag xmlns:ma14="http://schemas.microsoft.com/office/mac/drawingml/2011/main" xmlns="" val="1"/>
+              <ma14:wrappingTextBoxFlag xmlns="" xmlns:ma14="http://schemas.microsoft.com/office/mac/drawingml/2011/main" val="1"/>
             </a:ext>
           </a:extLst>
         </p:spPr>
@@ -2361,7 +2365,7 @@
           </a:ln>
           <a:extLst>
             <a:ext uri="{C572A759-6A51-4108-AA02-DFA0A04FC94B}">
-              <ma14:wrappingTextBoxFlag xmlns:ma14="http://schemas.microsoft.com/office/mac/drawingml/2011/main" xmlns="" val="1"/>
+              <ma14:wrappingTextBoxFlag xmlns="" xmlns:ma14="http://schemas.microsoft.com/office/mac/drawingml/2011/main" val="1"/>
             </a:ext>
           </a:extLst>
         </p:spPr>
@@ -2580,7 +2584,7 @@
           </a:ln>
           <a:extLst>
             <a:ext uri="{C572A759-6A51-4108-AA02-DFA0A04FC94B}">
-              <ma14:wrappingTextBoxFlag xmlns:ma14="http://schemas.microsoft.com/office/mac/drawingml/2011/main" xmlns="" val="1"/>
+              <ma14:wrappingTextBoxFlag xmlns="" xmlns:ma14="http://schemas.microsoft.com/office/mac/drawingml/2011/main" val="1"/>
             </a:ext>
           </a:extLst>
         </p:spPr>
@@ -2743,7 +2747,7 @@
           </a:ln>
           <a:extLst>
             <a:ext uri="{C572A759-6A51-4108-AA02-DFA0A04FC94B}">
-              <ma14:wrappingTextBoxFlag xmlns:ma14="http://schemas.microsoft.com/office/mac/drawingml/2011/main" xmlns="" val="1"/>
+              <ma14:wrappingTextBoxFlag xmlns="" xmlns:ma14="http://schemas.microsoft.com/office/mac/drawingml/2011/main" val="1"/>
             </a:ext>
           </a:extLst>
         </p:spPr>
@@ -3019,7 +3023,7 @@
           </a:ln>
           <a:extLst>
             <a:ext uri="{C572A759-6A51-4108-AA02-DFA0A04FC94B}">
-              <ma14:wrappingTextBoxFlag xmlns:ma14="http://schemas.microsoft.com/office/mac/drawingml/2011/main" xmlns="" val="1"/>
+              <ma14:wrappingTextBoxFlag xmlns="" xmlns:ma14="http://schemas.microsoft.com/office/mac/drawingml/2011/main" val="1"/>
             </a:ext>
           </a:extLst>
         </p:spPr>
@@ -3136,7 +3140,7 @@
           </a:ln>
           <a:extLst>
             <a:ext uri="{C572A759-6A51-4108-AA02-DFA0A04FC94B}">
-              <ma14:wrappingTextBoxFlag xmlns:ma14="http://schemas.microsoft.com/office/mac/drawingml/2011/main" xmlns="" val="1"/>
+              <ma14:wrappingTextBoxFlag xmlns="" xmlns:ma14="http://schemas.microsoft.com/office/mac/drawingml/2011/main" val="1"/>
             </a:ext>
           </a:extLst>
         </p:spPr>
@@ -11818,7 +11822,7 @@
           </a:ln>
           <a:extLst>
             <a:ext uri="{C572A759-6A51-4108-AA02-DFA0A04FC94B}">
-              <ma14:wrappingTextBoxFlag xmlns:ma14="http://schemas.microsoft.com/office/mac/drawingml/2011/main" xmlns="" val="1"/>
+              <ma14:wrappingTextBoxFlag xmlns="" xmlns:ma14="http://schemas.microsoft.com/office/mac/drawingml/2011/main" val="1"/>
             </a:ext>
           </a:extLst>
         </p:spPr>
@@ -11995,7 +11999,7 @@
           </a:ln>
           <a:extLst>
             <a:ext uri="{C572A759-6A51-4108-AA02-DFA0A04FC94B}">
-              <ma14:wrappingTextBoxFlag xmlns:ma14="http://schemas.microsoft.com/office/mac/drawingml/2011/main" xmlns="" val="1"/>
+              <ma14:wrappingTextBoxFlag xmlns="" xmlns:ma14="http://schemas.microsoft.com/office/mac/drawingml/2011/main" val="1"/>
             </a:ext>
           </a:extLst>
         </p:spPr>
@@ -12115,7 +12119,7 @@
           </a:ln>
           <a:extLst>
             <a:ext uri="{C572A759-6A51-4108-AA02-DFA0A04FC94B}">
-              <ma14:wrappingTextBoxFlag xmlns:ma14="http://schemas.microsoft.com/office/mac/drawingml/2011/main" xmlns="" val="1"/>
+              <ma14:wrappingTextBoxFlag xmlns="" xmlns:ma14="http://schemas.microsoft.com/office/mac/drawingml/2011/main" val="1"/>
             </a:ext>
           </a:extLst>
         </p:spPr>
@@ -12158,7 +12162,7 @@
           </a:ln>
           <a:extLst>
             <a:ext uri="{C572A759-6A51-4108-AA02-DFA0A04FC94B}">
-              <ma14:wrappingTextBoxFlag xmlns:ma14="http://schemas.microsoft.com/office/mac/drawingml/2011/main" xmlns="" val="1"/>
+              <ma14:wrappingTextBoxFlag xmlns="" xmlns:ma14="http://schemas.microsoft.com/office/mac/drawingml/2011/main" val="1"/>
             </a:ext>
           </a:extLst>
         </p:spPr>
@@ -12284,7 +12288,7 @@
           </a:ln>
           <a:extLst>
             <a:ext uri="{C572A759-6A51-4108-AA02-DFA0A04FC94B}">
-              <ma14:wrappingTextBoxFlag xmlns:ma14="http://schemas.microsoft.com/office/mac/drawingml/2011/main" xmlns="" val="1"/>
+              <ma14:wrappingTextBoxFlag xmlns="" xmlns:ma14="http://schemas.microsoft.com/office/mac/drawingml/2011/main" val="1"/>
             </a:ext>
           </a:extLst>
         </p:spPr>
@@ -12327,7 +12331,7 @@
           </a:ln>
           <a:extLst>
             <a:ext uri="{C572A759-6A51-4108-AA02-DFA0A04FC94B}">
-              <ma14:wrappingTextBoxFlag xmlns:ma14="http://schemas.microsoft.com/office/mac/drawingml/2011/main" xmlns="" val="1"/>
+              <ma14:wrappingTextBoxFlag xmlns="" xmlns:ma14="http://schemas.microsoft.com/office/mac/drawingml/2011/main" val="1"/>
             </a:ext>
           </a:extLst>
         </p:spPr>
@@ -12629,7 +12633,7 @@
           </a:ln>
           <a:extLst>
             <a:ext uri="{C572A759-6A51-4108-AA02-DFA0A04FC94B}">
-              <ma14:wrappingTextBoxFlag xmlns:ma14="http://schemas.microsoft.com/office/mac/drawingml/2011/main" xmlns="" val="1"/>
+              <ma14:wrappingTextBoxFlag xmlns="" xmlns:ma14="http://schemas.microsoft.com/office/mac/drawingml/2011/main" val="1"/>
             </a:ext>
           </a:extLst>
         </p:spPr>
@@ -12713,7 +12717,7 @@
           </a:ln>
           <a:extLst>
             <a:ext uri="{C572A759-6A51-4108-AA02-DFA0A04FC94B}">
-              <ma14:wrappingTextBoxFlag xmlns:ma14="http://schemas.microsoft.com/office/mac/drawingml/2011/main" xmlns="" val="1"/>
+              <ma14:wrappingTextBoxFlag xmlns="" xmlns:ma14="http://schemas.microsoft.com/office/mac/drawingml/2011/main" val="1"/>
             </a:ext>
           </a:extLst>
         </p:spPr>
@@ -12756,7 +12760,7 @@
           </a:ln>
           <a:extLst>
             <a:ext uri="{C572A759-6A51-4108-AA02-DFA0A04FC94B}">
-              <ma14:wrappingTextBoxFlag xmlns:ma14="http://schemas.microsoft.com/office/mac/drawingml/2011/main" xmlns="" val="1"/>
+              <ma14:wrappingTextBoxFlag xmlns="" xmlns:ma14="http://schemas.microsoft.com/office/mac/drawingml/2011/main" val="1"/>
             </a:ext>
           </a:extLst>
         </p:spPr>
@@ -12854,7 +12858,7 @@
           </a:ln>
           <a:extLst>
             <a:ext uri="{C572A759-6A51-4108-AA02-DFA0A04FC94B}">
-              <ma14:wrappingTextBoxFlag xmlns:ma14="http://schemas.microsoft.com/office/mac/drawingml/2011/main" xmlns="" val="1"/>
+              <ma14:wrappingTextBoxFlag xmlns="" xmlns:ma14="http://schemas.microsoft.com/office/mac/drawingml/2011/main" val="1"/>
             </a:ext>
           </a:extLst>
         </p:spPr>
@@ -12897,7 +12901,7 @@
           </a:ln>
           <a:extLst>
             <a:ext uri="{C572A759-6A51-4108-AA02-DFA0A04FC94B}">
-              <ma14:wrappingTextBoxFlag xmlns:ma14="http://schemas.microsoft.com/office/mac/drawingml/2011/main" xmlns="" val="1"/>
+              <ma14:wrappingTextBoxFlag xmlns="" xmlns:ma14="http://schemas.microsoft.com/office/mac/drawingml/2011/main" val="1"/>
             </a:ext>
           </a:extLst>
         </p:spPr>
@@ -12971,7 +12975,7 @@
           </a:ln>
           <a:extLst>
             <a:ext uri="{C572A759-6A51-4108-AA02-DFA0A04FC94B}">
-              <ma14:wrappingTextBoxFlag xmlns:ma14="http://schemas.microsoft.com/office/mac/drawingml/2011/main" xmlns="" val="1"/>
+              <ma14:wrappingTextBoxFlag xmlns="" xmlns:ma14="http://schemas.microsoft.com/office/mac/drawingml/2011/main" val="1"/>
             </a:ext>
           </a:extLst>
         </p:spPr>
@@ -13014,7 +13018,7 @@
           </a:ln>
           <a:extLst>
             <a:ext uri="{C572A759-6A51-4108-AA02-DFA0A04FC94B}">
-              <ma14:wrappingTextBoxFlag xmlns:ma14="http://schemas.microsoft.com/office/mac/drawingml/2011/main" xmlns="" val="1"/>
+              <ma14:wrappingTextBoxFlag xmlns="" xmlns:ma14="http://schemas.microsoft.com/office/mac/drawingml/2011/main" val="1"/>
             </a:ext>
           </a:extLst>
         </p:spPr>
@@ -13163,7 +13167,7 @@
           </a:ln>
           <a:extLst>
             <a:ext uri="{C572A759-6A51-4108-AA02-DFA0A04FC94B}">
-              <ma14:wrappingTextBoxFlag xmlns:ma14="http://schemas.microsoft.com/office/mac/drawingml/2011/main" xmlns="" val="1"/>
+              <ma14:wrappingTextBoxFlag xmlns="" xmlns:ma14="http://schemas.microsoft.com/office/mac/drawingml/2011/main" val="1"/>
             </a:ext>
           </a:extLst>
         </p:spPr>
@@ -13312,7 +13316,7 @@
           </a:ln>
           <a:extLst>
             <a:ext uri="{C572A759-6A51-4108-AA02-DFA0A04FC94B}">
-              <ma14:wrappingTextBoxFlag xmlns:ma14="http://schemas.microsoft.com/office/mac/drawingml/2011/main" xmlns="" val="1"/>
+              <ma14:wrappingTextBoxFlag xmlns="" xmlns:ma14="http://schemas.microsoft.com/office/mac/drawingml/2011/main" val="1"/>
             </a:ext>
           </a:extLst>
         </p:spPr>
@@ -13559,7 +13563,7 @@
           </a:ln>
           <a:extLst>
             <a:ext uri="{C572A759-6A51-4108-AA02-DFA0A04FC94B}">
-              <ma14:wrappingTextBoxFlag xmlns:ma14="http://schemas.microsoft.com/office/mac/drawingml/2011/main" xmlns="" val="1"/>
+              <ma14:wrappingTextBoxFlag xmlns="" xmlns:ma14="http://schemas.microsoft.com/office/mac/drawingml/2011/main" val="1"/>
             </a:ext>
           </a:extLst>
         </p:spPr>
